--- a/database/slides/I'VE_WANDERED_FAR_AWAY.pptx
+++ b/database/slides/I'VE_WANDERED_FAR_AWAY.pptx
@@ -16122,7 +16122,13 @@
       </p:sp>
       <p:sp>
         <p:nvSpPr>
-          <p:cNvPr id="131" name="Google Shape;131;p25"/>
+          <p:cNvPr id="2" name="Google Shape;131;p25">
+            <a:extLst>
+              <a:ext uri="{FF2B5EF4-FFF2-40B4-BE49-F238E27FC236}">
+                <a16:creationId xmlns:a16="http://schemas.microsoft.com/office/drawing/2014/main" id="{BF32A41A-8F1D-7846-4EA9-0F7516C3E60A}"/>
+              </a:ext>
+            </a:extLst>
+          </p:cNvPr>
           <p:cNvSpPr txBox="1"/>
           <p:nvPr/>
         </p:nvSpPr>
@@ -16145,11 +16151,19 @@
           </a:bodyPr>
           <a:lstStyle/>
           <a:p>
-            <a:pPr>
+            <a:pPr marL="0" lvl="0" indent="0" algn="l" rtl="0">
+              <a:spcBef>
+                <a:spcPts val="0"/>
+              </a:spcBef>
+              <a:spcAft>
+                <a:spcPts val="0"/>
+              </a:spcAft>
               <a:buClr>
                 <a:schemeClr val="lt1"/>
               </a:buClr>
               <a:buSzPts val="3200"/>
+              <a:buFont typeface="Arial"/>
+              <a:buNone/>
             </a:pPr>
             <a:r>
               <a:rPr lang="en-GB" sz="3600" b="1" i="1" dirty="0">
@@ -16163,7 +16177,7 @@
               </a:rPr>
               <a:t>contd..</a:t>
             </a:r>
-            <a:endParaRPr lang="en-GB" sz="3600" dirty="0">
+            <a:endParaRPr sz="3600" dirty="0">
               <a:latin typeface="Calibri"/>
               <a:ea typeface="Calibri"/>
               <a:cs typeface="Calibri"/>
@@ -16523,10 +16537,10 @@
       </p:sp>
       <p:sp>
         <p:nvSpPr>
-          <p:cNvPr id="131" name="Google Shape;131;p25">
+          <p:cNvPr id="2" name="Google Shape;131;p25">
             <a:extLst>
               <a:ext uri="{FF2B5EF4-FFF2-40B4-BE49-F238E27FC236}">
-                <a16:creationId xmlns:a16="http://schemas.microsoft.com/office/drawing/2014/main" id="{F3CC5F97-B3DC-AECF-A31E-9FCE4D995496}"/>
+                <a16:creationId xmlns:a16="http://schemas.microsoft.com/office/drawing/2014/main" id="{6296478D-5BFE-165B-E837-7FBC3AD3F0E2}"/>
               </a:ext>
             </a:extLst>
           </p:cNvPr>
@@ -16552,11 +16566,19 @@
           </a:bodyPr>
           <a:lstStyle/>
           <a:p>
-            <a:pPr>
+            <a:pPr marL="0" lvl="0" indent="0" algn="l" rtl="0">
+              <a:spcBef>
+                <a:spcPts val="0"/>
+              </a:spcBef>
+              <a:spcAft>
+                <a:spcPts val="0"/>
+              </a:spcAft>
               <a:buClr>
                 <a:schemeClr val="lt1"/>
               </a:buClr>
               <a:buSzPts val="3200"/>
+              <a:buFont typeface="Arial"/>
+              <a:buNone/>
             </a:pPr>
             <a:r>
               <a:rPr lang="en-GB" sz="3600" b="1" i="1" dirty="0">
@@ -16570,7 +16592,7 @@
               </a:rPr>
               <a:t>contd..</a:t>
             </a:r>
-            <a:endParaRPr lang="en-GB" sz="3600" dirty="0">
+            <a:endParaRPr sz="3600" dirty="0">
               <a:latin typeface="Calibri"/>
               <a:ea typeface="Calibri"/>
               <a:cs typeface="Calibri"/>
@@ -16930,10 +16952,10 @@
       </p:sp>
       <p:sp>
         <p:nvSpPr>
-          <p:cNvPr id="131" name="Google Shape;131;p25">
+          <p:cNvPr id="2" name="Google Shape;131;p25">
             <a:extLst>
               <a:ext uri="{FF2B5EF4-FFF2-40B4-BE49-F238E27FC236}">
-                <a16:creationId xmlns:a16="http://schemas.microsoft.com/office/drawing/2014/main" id="{B2DDFDFD-5E85-31FE-83D7-12AF0C1A335A}"/>
+                <a16:creationId xmlns:a16="http://schemas.microsoft.com/office/drawing/2014/main" id="{EEAC1715-C08C-3DCD-A88B-FB34C82265A3}"/>
               </a:ext>
             </a:extLst>
           </p:cNvPr>
@@ -16959,11 +16981,19 @@
           </a:bodyPr>
           <a:lstStyle/>
           <a:p>
-            <a:pPr>
+            <a:pPr marL="0" lvl="0" indent="0" algn="l" rtl="0">
+              <a:spcBef>
+                <a:spcPts val="0"/>
+              </a:spcBef>
+              <a:spcAft>
+                <a:spcPts val="0"/>
+              </a:spcAft>
               <a:buClr>
                 <a:schemeClr val="lt1"/>
               </a:buClr>
               <a:buSzPts val="3200"/>
+              <a:buFont typeface="Arial"/>
+              <a:buNone/>
             </a:pPr>
             <a:r>
               <a:rPr lang="en-GB" sz="3600" b="1" i="1" dirty="0">
@@ -16977,7 +17007,7 @@
               </a:rPr>
               <a:t>contd..</a:t>
             </a:r>
-            <a:endParaRPr lang="en-GB" sz="3600" dirty="0">
+            <a:endParaRPr sz="3600" dirty="0">
               <a:latin typeface="Calibri"/>
               <a:ea typeface="Calibri"/>
               <a:cs typeface="Calibri"/>
